--- a/sample.pptx
+++ b/sample.pptx
@@ -5,9 +5,14 @@
     <p:sldMasterId id="2147483648" r:id="rId1"/>
   </p:sldMasterIdLst>
   <p:sldIdLst>
-    <p:sldId id="258" r:id="rId2"/>
-    <p:sldId id="256" r:id="rId3"/>
-    <p:sldId id="257" r:id="rId4"/>
+    <p:sldId id="259" r:id="rId2"/>
+    <p:sldId id="258" r:id="rId3"/>
+    <p:sldId id="256" r:id="rId4"/>
+    <p:sldId id="261" r:id="rId5"/>
+    <p:sldId id="263" r:id="rId6"/>
+    <p:sldId id="257" r:id="rId7"/>
+    <p:sldId id="264" r:id="rId8"/>
+    <p:sldId id="262" r:id="rId9"/>
   </p:sldIdLst>
   <p:sldSz cx="12192000" cy="6858000"/>
   <p:notesSz cx="6858000" cy="9144000"/>
@@ -106,6 +111,11 @@
       </a:defRPr>
     </a:lvl9pPr>
   </p:defaultTextStyle>
+  <p:extLst>
+    <p:ext uri="{EFAFB233-063F-42B5-8137-9DF3F51BA10A}">
+      <p15:sldGuideLst xmlns:p15="http://schemas.microsoft.com/office/powerpoint/2012/main"/>
+    </p:ext>
+  </p:extLst>
 </p:presentation>
 </file>
 
@@ -256,7 +266,7 @@
           <a:p>
             <a:fld id="{6144083B-FA3C-4E3E-9C73-460FD0D14134}" type="datetimeFigureOut">
               <a:rPr lang="ko-KR" altLang="en-US" smtClean="0"/>
-              <a:t>2020-06-25</a:t>
+              <a:t>2020-06-26</a:t>
             </a:fld>
             <a:endParaRPr lang="ko-KR" altLang="en-US"/>
           </a:p>
@@ -454,7 +464,7 @@
           <a:p>
             <a:fld id="{6144083B-FA3C-4E3E-9C73-460FD0D14134}" type="datetimeFigureOut">
               <a:rPr lang="ko-KR" altLang="en-US" smtClean="0"/>
-              <a:t>2020-06-25</a:t>
+              <a:t>2020-06-26</a:t>
             </a:fld>
             <a:endParaRPr lang="ko-KR" altLang="en-US"/>
           </a:p>
@@ -662,7 +672,7 @@
           <a:p>
             <a:fld id="{6144083B-FA3C-4E3E-9C73-460FD0D14134}" type="datetimeFigureOut">
               <a:rPr lang="ko-KR" altLang="en-US" smtClean="0"/>
-              <a:t>2020-06-25</a:t>
+              <a:t>2020-06-26</a:t>
             </a:fld>
             <a:endParaRPr lang="ko-KR" altLang="en-US"/>
           </a:p>
@@ -860,7 +870,7 @@
           <a:p>
             <a:fld id="{6144083B-FA3C-4E3E-9C73-460FD0D14134}" type="datetimeFigureOut">
               <a:rPr lang="ko-KR" altLang="en-US" smtClean="0"/>
-              <a:t>2020-06-25</a:t>
+              <a:t>2020-06-26</a:t>
             </a:fld>
             <a:endParaRPr lang="ko-KR" altLang="en-US"/>
           </a:p>
@@ -1135,7 +1145,7 @@
           <a:p>
             <a:fld id="{6144083B-FA3C-4E3E-9C73-460FD0D14134}" type="datetimeFigureOut">
               <a:rPr lang="ko-KR" altLang="en-US" smtClean="0"/>
-              <a:t>2020-06-25</a:t>
+              <a:t>2020-06-26</a:t>
             </a:fld>
             <a:endParaRPr lang="ko-KR" altLang="en-US"/>
           </a:p>
@@ -1400,7 +1410,7 @@
           <a:p>
             <a:fld id="{6144083B-FA3C-4E3E-9C73-460FD0D14134}" type="datetimeFigureOut">
               <a:rPr lang="ko-KR" altLang="en-US" smtClean="0"/>
-              <a:t>2020-06-25</a:t>
+              <a:t>2020-06-26</a:t>
             </a:fld>
             <a:endParaRPr lang="ko-KR" altLang="en-US"/>
           </a:p>
@@ -1812,7 +1822,7 @@
           <a:p>
             <a:fld id="{6144083B-FA3C-4E3E-9C73-460FD0D14134}" type="datetimeFigureOut">
               <a:rPr lang="ko-KR" altLang="en-US" smtClean="0"/>
-              <a:t>2020-06-25</a:t>
+              <a:t>2020-06-26</a:t>
             </a:fld>
             <a:endParaRPr lang="ko-KR" altLang="en-US"/>
           </a:p>
@@ -1953,7 +1963,7 @@
           <a:p>
             <a:fld id="{6144083B-FA3C-4E3E-9C73-460FD0D14134}" type="datetimeFigureOut">
               <a:rPr lang="ko-KR" altLang="en-US" smtClean="0"/>
-              <a:t>2020-06-25</a:t>
+              <a:t>2020-06-26</a:t>
             </a:fld>
             <a:endParaRPr lang="ko-KR" altLang="en-US"/>
           </a:p>
@@ -2066,7 +2076,7 @@
           <a:p>
             <a:fld id="{6144083B-FA3C-4E3E-9C73-460FD0D14134}" type="datetimeFigureOut">
               <a:rPr lang="ko-KR" altLang="en-US" smtClean="0"/>
-              <a:t>2020-06-25</a:t>
+              <a:t>2020-06-26</a:t>
             </a:fld>
             <a:endParaRPr lang="ko-KR" altLang="en-US"/>
           </a:p>
@@ -2377,7 +2387,7 @@
           <a:p>
             <a:fld id="{6144083B-FA3C-4E3E-9C73-460FD0D14134}" type="datetimeFigureOut">
               <a:rPr lang="ko-KR" altLang="en-US" smtClean="0"/>
-              <a:t>2020-06-25</a:t>
+              <a:t>2020-06-26</a:t>
             </a:fld>
             <a:endParaRPr lang="ko-KR" altLang="en-US"/>
           </a:p>
@@ -2665,7 +2675,7 @@
           <a:p>
             <a:fld id="{6144083B-FA3C-4E3E-9C73-460FD0D14134}" type="datetimeFigureOut">
               <a:rPr lang="ko-KR" altLang="en-US" smtClean="0"/>
-              <a:t>2020-06-25</a:t>
+              <a:t>2020-06-26</a:t>
             </a:fld>
             <a:endParaRPr lang="ko-KR" altLang="en-US"/>
           </a:p>
@@ -2906,7 +2916,7 @@
           <a:p>
             <a:fld id="{6144083B-FA3C-4E3E-9C73-460FD0D14134}" type="datetimeFigureOut">
               <a:rPr lang="ko-KR" altLang="en-US" smtClean="0"/>
-              <a:t>2020-06-25</a:t>
+              <a:t>2020-06-26</a:t>
             </a:fld>
             <a:endParaRPr lang="ko-KR" altLang="en-US"/>
           </a:p>
@@ -3333,91 +3343,43 @@
       </p:grpSpPr>
       <p:sp>
         <p:nvSpPr>
-          <p:cNvPr id="4" name="TextBox 3">
-            <a:extLst>
-              <a:ext uri="{FF2B5EF4-FFF2-40B4-BE49-F238E27FC236}">
-                <a16:creationId xmlns:a16="http://schemas.microsoft.com/office/drawing/2014/main" id="{414D9116-D189-4578-BBB2-C5BE6BED8C02}"/>
-              </a:ext>
-            </a:extLst>
-          </p:cNvPr>
-          <p:cNvSpPr txBox="1"/>
-          <p:nvPr/>
+          <p:cNvPr id="2" name="제목 1">
+            <a:extLst>
+              <a:ext uri="{FF2B5EF4-FFF2-40B4-BE49-F238E27FC236}">
+                <a16:creationId xmlns:a16="http://schemas.microsoft.com/office/drawing/2014/main" id="{01296659-A726-46C1-ACF2-9FC807B18EAC}"/>
+              </a:ext>
+            </a:extLst>
+          </p:cNvPr>
+          <p:cNvSpPr>
+            <a:spLocks noGrp="1"/>
+          </p:cNvSpPr>
+          <p:nvPr>
+            <p:ph type="title"/>
+          </p:nvPr>
         </p:nvSpPr>
         <p:spPr>
           <a:xfrm>
-            <a:off x="838200" y="365125"/>
-            <a:ext cx="10515600" cy="1325563"/>
+            <a:off x="4817945" y="2687985"/>
+            <a:ext cx="2556109" cy="1082736"/>
           </a:xfrm>
-          <a:prstGeom prst="rect">
-            <a:avLst/>
-          </a:prstGeom>
         </p:spPr>
         <p:txBody>
-          <a:bodyPr vert="horz" lIns="91440" tIns="45720" rIns="91440" bIns="45720" rtlCol="0" anchor="ctr">
+          <a:bodyPr anchor="t">
             <a:normAutofit/>
           </a:bodyPr>
           <a:lstStyle/>
           <a:p>
-            <a:pPr latinLnBrk="0">
-              <a:lnSpc>
-                <a:spcPct val="90000"/>
-              </a:lnSpc>
-              <a:spcBef>
-                <a:spcPct val="0"/>
-              </a:spcBef>
-              <a:spcAft>
-                <a:spcPts val="600"/>
-              </a:spcAft>
-            </a:pPr>
-            <a:r>
-              <a:rPr lang="ko-KR" altLang="en-US" sz="4400">
-                <a:latin typeface="+mj-lt"/>
-                <a:ea typeface="+mj-ea"/>
-                <a:cs typeface="+mj-cs"/>
-              </a:rPr>
-              <a:t>스택오버플로우</a:t>
-            </a:r>
-            <a:endParaRPr lang="en-US" altLang="ko-KR" sz="4400">
-              <a:latin typeface="+mj-lt"/>
-              <a:ea typeface="+mj-ea"/>
-              <a:cs typeface="+mj-cs"/>
-            </a:endParaRPr>
-          </a:p>
-        </p:txBody>
-      </p:sp>
-      <p:pic>
-        <p:nvPicPr>
-          <p:cNvPr id="5" name="그림 4">
-            <a:extLst>
-              <a:ext uri="{FF2B5EF4-FFF2-40B4-BE49-F238E27FC236}">
-                <a16:creationId xmlns:a16="http://schemas.microsoft.com/office/drawing/2014/main" id="{63F4F409-D4D5-4452-AB1F-A099FA1ADB9E}"/>
-              </a:ext>
-            </a:extLst>
-          </p:cNvPr>
-          <p:cNvPicPr>
-            <a:picLocks noChangeAspect="1"/>
-          </p:cNvPicPr>
-          <p:nvPr/>
-        </p:nvPicPr>
-        <p:blipFill rotWithShape="1">
-          <a:blip r:embed="rId2"/>
-          <a:srcRect r="1" b="19333"/>
-          <a:stretch/>
-        </p:blipFill>
-        <p:spPr>
-          <a:xfrm>
-            <a:off x="828675" y="1825626"/>
-            <a:ext cx="10525125" cy="4351338"/>
-          </a:xfrm>
-          <a:prstGeom prst="rect">
-            <a:avLst/>
-          </a:prstGeom>
-        </p:spPr>
-      </p:pic>
+            <a:r>
+              <a:rPr lang="ko-KR" altLang="en-US" dirty="0"/>
+              <a:t>처음에는</a:t>
+            </a:r>
+          </a:p>
+        </p:txBody>
+      </p:sp>
     </p:spTree>
     <p:extLst>
       <p:ext uri="{BB962C8B-B14F-4D97-AF65-F5344CB8AC3E}">
-        <p14:creationId xmlns:p14="http://schemas.microsoft.com/office/powerpoint/2010/main" val="794925671"/>
+        <p14:creationId xmlns:p14="http://schemas.microsoft.com/office/powerpoint/2010/main" val="3225341702"/>
       </p:ext>
     </p:extLst>
   </p:cSld>
@@ -3491,6 +3453,127 @@
               </a:spcAft>
             </a:pPr>
             <a:r>
+              <a:rPr lang="ko-KR" altLang="en-US" sz="4400">
+                <a:latin typeface="+mj-lt"/>
+                <a:ea typeface="+mj-ea"/>
+                <a:cs typeface="+mj-cs"/>
+              </a:rPr>
+              <a:t>스택오버플로우</a:t>
+            </a:r>
+            <a:endParaRPr lang="en-US" altLang="ko-KR" sz="4400">
+              <a:latin typeface="+mj-lt"/>
+              <a:ea typeface="+mj-ea"/>
+              <a:cs typeface="+mj-cs"/>
+            </a:endParaRPr>
+          </a:p>
+        </p:txBody>
+      </p:sp>
+      <p:pic>
+        <p:nvPicPr>
+          <p:cNvPr id="5" name="그림 4">
+            <a:extLst>
+              <a:ext uri="{FF2B5EF4-FFF2-40B4-BE49-F238E27FC236}">
+                <a16:creationId xmlns:a16="http://schemas.microsoft.com/office/drawing/2014/main" id="{63F4F409-D4D5-4452-AB1F-A099FA1ADB9E}"/>
+              </a:ext>
+            </a:extLst>
+          </p:cNvPr>
+          <p:cNvPicPr>
+            <a:picLocks noChangeAspect="1"/>
+          </p:cNvPicPr>
+          <p:nvPr/>
+        </p:nvPicPr>
+        <p:blipFill rotWithShape="1">
+          <a:blip r:embed="rId2"/>
+          <a:srcRect r="1" b="19333"/>
+          <a:stretch/>
+        </p:blipFill>
+        <p:spPr>
+          <a:xfrm>
+            <a:off x="828675" y="1825626"/>
+            <a:ext cx="10525125" cy="4351338"/>
+          </a:xfrm>
+          <a:prstGeom prst="rect">
+            <a:avLst/>
+          </a:prstGeom>
+        </p:spPr>
+      </p:pic>
+    </p:spTree>
+    <p:extLst>
+      <p:ext uri="{BB962C8B-B14F-4D97-AF65-F5344CB8AC3E}">
+        <p14:creationId xmlns:p14="http://schemas.microsoft.com/office/powerpoint/2010/main" val="794925671"/>
+      </p:ext>
+    </p:extLst>
+  </p:cSld>
+  <p:clrMapOvr>
+    <a:masterClrMapping/>
+  </p:clrMapOvr>
+</p:sld>
+</file>
+
+<file path=ppt/slides/slide3.xml><?xml version="1.0" encoding="utf-8"?>
+<p:sld xmlns:a="http://schemas.openxmlformats.org/drawingml/2006/main" xmlns:r="http://schemas.openxmlformats.org/officeDocument/2006/relationships" xmlns:p="http://schemas.openxmlformats.org/presentationml/2006/main">
+  <p:cSld>
+    <p:bg>
+      <p:bgPr>
+        <a:solidFill>
+          <a:schemeClr val="bg1"/>
+        </a:solidFill>
+        <a:effectLst/>
+      </p:bgPr>
+    </p:bg>
+    <p:spTree>
+      <p:nvGrpSpPr>
+        <p:cNvPr id="1" name=""/>
+        <p:cNvGrpSpPr/>
+        <p:nvPr/>
+      </p:nvGrpSpPr>
+      <p:grpSpPr>
+        <a:xfrm>
+          <a:off x="0" y="0"/>
+          <a:ext cx="0" cy="0"/>
+          <a:chOff x="0" y="0"/>
+          <a:chExt cx="0" cy="0"/>
+        </a:xfrm>
+      </p:grpSpPr>
+      <p:sp>
+        <p:nvSpPr>
+          <p:cNvPr id="4" name="TextBox 3">
+            <a:extLst>
+              <a:ext uri="{FF2B5EF4-FFF2-40B4-BE49-F238E27FC236}">
+                <a16:creationId xmlns:a16="http://schemas.microsoft.com/office/drawing/2014/main" id="{414D9116-D189-4578-BBB2-C5BE6BED8C02}"/>
+              </a:ext>
+            </a:extLst>
+          </p:cNvPr>
+          <p:cNvSpPr txBox="1"/>
+          <p:nvPr/>
+        </p:nvSpPr>
+        <p:spPr>
+          <a:xfrm>
+            <a:off x="838200" y="365125"/>
+            <a:ext cx="10515600" cy="1325563"/>
+          </a:xfrm>
+          <a:prstGeom prst="rect">
+            <a:avLst/>
+          </a:prstGeom>
+        </p:spPr>
+        <p:txBody>
+          <a:bodyPr vert="horz" lIns="91440" tIns="45720" rIns="91440" bIns="45720" rtlCol="0" anchor="ctr">
+            <a:normAutofit/>
+          </a:bodyPr>
+          <a:lstStyle/>
+          <a:p>
+            <a:pPr latinLnBrk="0">
+              <a:lnSpc>
+                <a:spcPct val="90000"/>
+              </a:lnSpc>
+              <a:spcBef>
+                <a:spcPct val="0"/>
+              </a:spcBef>
+              <a:spcAft>
+                <a:spcPts val="600"/>
+              </a:spcAft>
+            </a:pPr>
+            <a:r>
               <a:rPr lang="ko-KR" altLang="en-US" sz="4400" kern="1200">
                 <a:solidFill>
                   <a:schemeClr val="tx1"/>
@@ -3547,7 +3630,139 @@
 </p:sld>
 </file>
 
-<file path=ppt/slides/slide3.xml><?xml version="1.0" encoding="utf-8"?>
+<file path=ppt/slides/slide4.xml><?xml version="1.0" encoding="utf-8"?>
+<p:sld xmlns:a="http://schemas.openxmlformats.org/drawingml/2006/main" xmlns:r="http://schemas.openxmlformats.org/officeDocument/2006/relationships" xmlns:p="http://schemas.openxmlformats.org/presentationml/2006/main">
+  <p:cSld>
+    <p:spTree>
+      <p:nvGrpSpPr>
+        <p:cNvPr id="1" name=""/>
+        <p:cNvGrpSpPr/>
+        <p:nvPr/>
+      </p:nvGrpSpPr>
+      <p:grpSpPr>
+        <a:xfrm>
+          <a:off x="0" y="0"/>
+          <a:ext cx="0" cy="0"/>
+          <a:chOff x="0" y="0"/>
+          <a:chExt cx="0" cy="0"/>
+        </a:xfrm>
+      </p:grpSpPr>
+      <p:pic>
+        <p:nvPicPr>
+          <p:cNvPr id="2" name="그림 1">
+            <a:extLst>
+              <a:ext uri="{FF2B5EF4-FFF2-40B4-BE49-F238E27FC236}">
+                <a16:creationId xmlns:a16="http://schemas.microsoft.com/office/drawing/2014/main" id="{AA485CCB-1435-44B8-B5BC-22E2B34EB4A4}"/>
+              </a:ext>
+            </a:extLst>
+          </p:cNvPr>
+          <p:cNvPicPr>
+            <a:picLocks noChangeAspect="1"/>
+          </p:cNvPicPr>
+          <p:nvPr/>
+        </p:nvPicPr>
+        <p:blipFill>
+          <a:blip r:embed="rId2"/>
+          <a:stretch>
+            <a:fillRect/>
+          </a:stretch>
+        </p:blipFill>
+        <p:spPr>
+          <a:xfrm>
+            <a:off x="3361929" y="2577830"/>
+            <a:ext cx="5468141" cy="1399739"/>
+          </a:xfrm>
+          <a:prstGeom prst="rect">
+            <a:avLst/>
+          </a:prstGeom>
+        </p:spPr>
+      </p:pic>
+    </p:spTree>
+    <p:extLst>
+      <p:ext uri="{BB962C8B-B14F-4D97-AF65-F5344CB8AC3E}">
+        <p14:creationId xmlns:p14="http://schemas.microsoft.com/office/powerpoint/2010/main" val="2214894093"/>
+      </p:ext>
+    </p:extLst>
+  </p:cSld>
+  <p:clrMapOvr>
+    <a:masterClrMapping/>
+  </p:clrMapOvr>
+</p:sld>
+</file>
+
+<file path=ppt/slides/slide5.xml><?xml version="1.0" encoding="utf-8"?>
+<p:sld xmlns:a="http://schemas.openxmlformats.org/drawingml/2006/main" xmlns:r="http://schemas.openxmlformats.org/officeDocument/2006/relationships" xmlns:p="http://schemas.openxmlformats.org/presentationml/2006/main">
+  <p:cSld>
+    <p:spTree>
+      <p:nvGrpSpPr>
+        <p:cNvPr id="1" name=""/>
+        <p:cNvGrpSpPr/>
+        <p:nvPr/>
+      </p:nvGrpSpPr>
+      <p:grpSpPr>
+        <a:xfrm>
+          <a:off x="0" y="0"/>
+          <a:ext cx="0" cy="0"/>
+          <a:chOff x="0" y="0"/>
+          <a:chExt cx="0" cy="0"/>
+        </a:xfrm>
+      </p:grpSpPr>
+      <p:sp>
+        <p:nvSpPr>
+          <p:cNvPr id="2" name="제목 1">
+            <a:extLst>
+              <a:ext uri="{FF2B5EF4-FFF2-40B4-BE49-F238E27FC236}">
+                <a16:creationId xmlns:a16="http://schemas.microsoft.com/office/drawing/2014/main" id="{01296659-A726-46C1-ACF2-9FC807B18EAC}"/>
+              </a:ext>
+            </a:extLst>
+          </p:cNvPr>
+          <p:cNvSpPr>
+            <a:spLocks noGrp="1"/>
+          </p:cNvSpPr>
+          <p:nvPr>
+            <p:ph type="title"/>
+          </p:nvPr>
+        </p:nvSpPr>
+        <p:spPr>
+          <a:xfrm>
+            <a:off x="3974969" y="2689670"/>
+            <a:ext cx="4242062" cy="1082736"/>
+          </a:xfrm>
+        </p:spPr>
+        <p:txBody>
+          <a:bodyPr anchor="t">
+            <a:normAutofit fontScale="90000"/>
+          </a:bodyPr>
+          <a:lstStyle/>
+          <a:p>
+            <a:r>
+              <a:rPr lang="ko-KR" altLang="en-US" dirty="0"/>
+              <a:t>하지만</a:t>
+            </a:r>
+            <a:br>
+              <a:rPr lang="en-US" altLang="ko-KR" dirty="0"/>
+            </a:br>
+            <a:r>
+              <a:rPr lang="ko-KR" altLang="en-US" dirty="0"/>
+              <a:t>실력과 시간 한계 </a:t>
+            </a:r>
+          </a:p>
+        </p:txBody>
+      </p:sp>
+    </p:spTree>
+    <p:extLst>
+      <p:ext uri="{BB962C8B-B14F-4D97-AF65-F5344CB8AC3E}">
+        <p14:creationId xmlns:p14="http://schemas.microsoft.com/office/powerpoint/2010/main" val="3654355452"/>
+      </p:ext>
+    </p:extLst>
+  </p:cSld>
+  <p:clrMapOvr>
+    <a:masterClrMapping/>
+  </p:clrMapOvr>
+</p:sld>
+</file>
+
+<file path=ppt/slides/slide6.xml><?xml version="1.0" encoding="utf-8"?>
 <p:sld xmlns:a="http://schemas.openxmlformats.org/drawingml/2006/main" xmlns:r="http://schemas.openxmlformats.org/officeDocument/2006/relationships" xmlns:p="http://schemas.openxmlformats.org/presentationml/2006/main">
   <p:cSld>
     <p:bg>
@@ -3687,6 +3902,132 @@
     <p:extLst>
       <p:ext uri="{BB962C8B-B14F-4D97-AF65-F5344CB8AC3E}">
         <p14:creationId xmlns:p14="http://schemas.microsoft.com/office/powerpoint/2010/main" val="4026969699"/>
+      </p:ext>
+    </p:extLst>
+  </p:cSld>
+  <p:clrMapOvr>
+    <a:masterClrMapping/>
+  </p:clrMapOvr>
+</p:sld>
+</file>
+
+<file path=ppt/slides/slide7.xml><?xml version="1.0" encoding="utf-8"?>
+<p:sld xmlns:a="http://schemas.openxmlformats.org/drawingml/2006/main" xmlns:r="http://schemas.openxmlformats.org/officeDocument/2006/relationships" xmlns:p="http://schemas.openxmlformats.org/presentationml/2006/main">
+  <p:cSld>
+    <p:spTree>
+      <p:nvGrpSpPr>
+        <p:cNvPr id="1" name=""/>
+        <p:cNvGrpSpPr/>
+        <p:nvPr/>
+      </p:nvGrpSpPr>
+      <p:grpSpPr>
+        <a:xfrm>
+          <a:off x="0" y="0"/>
+          <a:ext cx="0" cy="0"/>
+          <a:chOff x="0" y="0"/>
+          <a:chExt cx="0" cy="0"/>
+        </a:xfrm>
+      </p:grpSpPr>
+      <p:sp>
+        <p:nvSpPr>
+          <p:cNvPr id="2" name="제목 1">
+            <a:extLst>
+              <a:ext uri="{FF2B5EF4-FFF2-40B4-BE49-F238E27FC236}">
+                <a16:creationId xmlns:a16="http://schemas.microsoft.com/office/drawing/2014/main" id="{01296659-A726-46C1-ACF2-9FC807B18EAC}"/>
+              </a:ext>
+            </a:extLst>
+          </p:cNvPr>
+          <p:cNvSpPr>
+            <a:spLocks noGrp="1"/>
+          </p:cNvSpPr>
+          <p:nvPr>
+            <p:ph type="title"/>
+          </p:nvPr>
+        </p:nvSpPr>
+        <p:spPr>
+          <a:xfrm>
+            <a:off x="3701591" y="2887632"/>
+            <a:ext cx="4933361" cy="1082736"/>
+          </a:xfrm>
+        </p:spPr>
+        <p:txBody>
+          <a:bodyPr anchor="t">
+            <a:normAutofit fontScale="90000"/>
+          </a:bodyPr>
+          <a:lstStyle/>
+          <a:p>
+            <a:r>
+              <a:rPr lang="ko-KR" altLang="en-US"/>
+              <a:t>나만의 메모 게시판</a:t>
+            </a:r>
+            <a:endParaRPr lang="ko-KR" altLang="en-US" dirty="0"/>
+          </a:p>
+        </p:txBody>
+      </p:sp>
+    </p:spTree>
+    <p:extLst>
+      <p:ext uri="{BB962C8B-B14F-4D97-AF65-F5344CB8AC3E}">
+        <p14:creationId xmlns:p14="http://schemas.microsoft.com/office/powerpoint/2010/main" val="3623897097"/>
+      </p:ext>
+    </p:extLst>
+  </p:cSld>
+  <p:clrMapOvr>
+    <a:masterClrMapping/>
+  </p:clrMapOvr>
+</p:sld>
+</file>
+
+<file path=ppt/slides/slide8.xml><?xml version="1.0" encoding="utf-8"?>
+<p:sld xmlns:a="http://schemas.openxmlformats.org/drawingml/2006/main" xmlns:r="http://schemas.openxmlformats.org/officeDocument/2006/relationships" xmlns:p="http://schemas.openxmlformats.org/presentationml/2006/main">
+  <p:cSld>
+    <p:spTree>
+      <p:nvGrpSpPr>
+        <p:cNvPr id="1" name=""/>
+        <p:cNvGrpSpPr/>
+        <p:nvPr/>
+      </p:nvGrpSpPr>
+      <p:grpSpPr>
+        <a:xfrm>
+          <a:off x="0" y="0"/>
+          <a:ext cx="0" cy="0"/>
+          <a:chOff x="0" y="0"/>
+          <a:chExt cx="0" cy="0"/>
+        </a:xfrm>
+      </p:grpSpPr>
+      <p:pic>
+        <p:nvPicPr>
+          <p:cNvPr id="2" name="그림 1">
+            <a:extLst>
+              <a:ext uri="{FF2B5EF4-FFF2-40B4-BE49-F238E27FC236}">
+                <a16:creationId xmlns:a16="http://schemas.microsoft.com/office/drawing/2014/main" id="{84470DA1-E51B-4A40-B905-9797D61C9694}"/>
+              </a:ext>
+            </a:extLst>
+          </p:cNvPr>
+          <p:cNvPicPr>
+            <a:picLocks noChangeAspect="1"/>
+          </p:cNvPicPr>
+          <p:nvPr/>
+        </p:nvPicPr>
+        <p:blipFill>
+          <a:blip r:embed="rId2"/>
+          <a:stretch>
+            <a:fillRect/>
+          </a:stretch>
+        </p:blipFill>
+        <p:spPr>
+          <a:xfrm>
+            <a:off x="0" y="716410"/>
+            <a:ext cx="12192000" cy="5425179"/>
+          </a:xfrm>
+          <a:prstGeom prst="rect">
+            <a:avLst/>
+          </a:prstGeom>
+        </p:spPr>
+      </p:pic>
+    </p:spTree>
+    <p:extLst>
+      <p:ext uri="{BB962C8B-B14F-4D97-AF65-F5344CB8AC3E}">
+        <p14:creationId xmlns:p14="http://schemas.microsoft.com/office/powerpoint/2010/main" val="2478612038"/>
       </p:ext>
     </p:extLst>
   </p:cSld>
